--- a/expression_infix_prefix_postfix_wk05/expression_infix_prefix_postfix.pptx
+++ b/expression_infix_prefix_postfix_wk05/expression_infix_prefix_postfix.pptx
@@ -115,6 +115,11 @@
       </a:defRPr>
     </a:lvl9pPr>
   </p:defaultTextStyle>
+  <p:extLst>
+    <p:ext uri="{EFAFB233-063F-42B5-8137-9DF3F51BA10A}">
+      <p15:sldGuideLst xmlns:p15="http://schemas.microsoft.com/office/powerpoint/2012/main"/>
+    </p:ext>
+  </p:extLst>
 </p:presentation>
 </file>
 
@@ -265,7 +270,7 @@
           <a:p>
             <a:fld id="{9F695ECB-B46C-468F-A5BB-49583F8E8D11}" type="datetimeFigureOut">
               <a:rPr lang="en-US" smtClean="0"/>
-              <a:t>1/15/2026</a:t>
+              <a:t>1/22/2026</a:t>
             </a:fld>
             <a:endParaRPr lang="en-US"/>
           </a:p>
@@ -463,7 +468,7 @@
           <a:p>
             <a:fld id="{9F695ECB-B46C-468F-A5BB-49583F8E8D11}" type="datetimeFigureOut">
               <a:rPr lang="en-US" smtClean="0"/>
-              <a:t>1/15/2026</a:t>
+              <a:t>1/22/2026</a:t>
             </a:fld>
             <a:endParaRPr lang="en-US"/>
           </a:p>
@@ -671,7 +676,7 @@
           <a:p>
             <a:fld id="{9F695ECB-B46C-468F-A5BB-49583F8E8D11}" type="datetimeFigureOut">
               <a:rPr lang="en-US" smtClean="0"/>
-              <a:t>1/15/2026</a:t>
+              <a:t>1/22/2026</a:t>
             </a:fld>
             <a:endParaRPr lang="en-US"/>
           </a:p>
@@ -869,7 +874,7 @@
           <a:p>
             <a:fld id="{9F695ECB-B46C-468F-A5BB-49583F8E8D11}" type="datetimeFigureOut">
               <a:rPr lang="en-US" smtClean="0"/>
-              <a:t>1/15/2026</a:t>
+              <a:t>1/22/2026</a:t>
             </a:fld>
             <a:endParaRPr lang="en-US"/>
           </a:p>
@@ -1144,7 +1149,7 @@
           <a:p>
             <a:fld id="{9F695ECB-B46C-468F-A5BB-49583F8E8D11}" type="datetimeFigureOut">
               <a:rPr lang="en-US" smtClean="0"/>
-              <a:t>1/15/2026</a:t>
+              <a:t>1/22/2026</a:t>
             </a:fld>
             <a:endParaRPr lang="en-US"/>
           </a:p>
@@ -1409,7 +1414,7 @@
           <a:p>
             <a:fld id="{9F695ECB-B46C-468F-A5BB-49583F8E8D11}" type="datetimeFigureOut">
               <a:rPr lang="en-US" smtClean="0"/>
-              <a:t>1/15/2026</a:t>
+              <a:t>1/22/2026</a:t>
             </a:fld>
             <a:endParaRPr lang="en-US"/>
           </a:p>
@@ -1821,7 +1826,7 @@
           <a:p>
             <a:fld id="{9F695ECB-B46C-468F-A5BB-49583F8E8D11}" type="datetimeFigureOut">
               <a:rPr lang="en-US" smtClean="0"/>
-              <a:t>1/15/2026</a:t>
+              <a:t>1/22/2026</a:t>
             </a:fld>
             <a:endParaRPr lang="en-US"/>
           </a:p>
@@ -1962,7 +1967,7 @@
           <a:p>
             <a:fld id="{9F695ECB-B46C-468F-A5BB-49583F8E8D11}" type="datetimeFigureOut">
               <a:rPr lang="en-US" smtClean="0"/>
-              <a:t>1/15/2026</a:t>
+              <a:t>1/22/2026</a:t>
             </a:fld>
             <a:endParaRPr lang="en-US"/>
           </a:p>
@@ -2075,7 +2080,7 @@
           <a:p>
             <a:fld id="{9F695ECB-B46C-468F-A5BB-49583F8E8D11}" type="datetimeFigureOut">
               <a:rPr lang="en-US" smtClean="0"/>
-              <a:t>1/15/2026</a:t>
+              <a:t>1/22/2026</a:t>
             </a:fld>
             <a:endParaRPr lang="en-US"/>
           </a:p>
@@ -2386,7 +2391,7 @@
           <a:p>
             <a:fld id="{9F695ECB-B46C-468F-A5BB-49583F8E8D11}" type="datetimeFigureOut">
               <a:rPr lang="en-US" smtClean="0"/>
-              <a:t>1/15/2026</a:t>
+              <a:t>1/22/2026</a:t>
             </a:fld>
             <a:endParaRPr lang="en-US"/>
           </a:p>
@@ -2674,7 +2679,7 @@
           <a:p>
             <a:fld id="{9F695ECB-B46C-468F-A5BB-49583F8E8D11}" type="datetimeFigureOut">
               <a:rPr lang="en-US" smtClean="0"/>
-              <a:t>1/15/2026</a:t>
+              <a:t>1/22/2026</a:t>
             </a:fld>
             <a:endParaRPr lang="en-US"/>
           </a:p>
@@ -2915,7 +2920,7 @@
           <a:p>
             <a:fld id="{9F695ECB-B46C-468F-A5BB-49583F8E8D11}" type="datetimeFigureOut">
               <a:rPr lang="en-US" smtClean="0"/>
-              <a:t>1/15/2026</a:t>
+              <a:t>1/22/2026</a:t>
             </a:fld>
             <a:endParaRPr lang="en-US"/>
           </a:p>
@@ -3419,7 +3424,7 @@
                   </a:schemeClr>
                 </a:solidFill>
               </a:rPr>
-              <a:t>4 students got a zero in programming </a:t>
+              <a:t>4 students received a zero in programming </a:t>
             </a:r>
             <a:r>
               <a:rPr lang="en-US" dirty="0"/>
